--- a/Computer Programming - SmartManufacturing/Class 01 Introduction/Class 01 - Introduction.pptx
+++ b/Computer Programming - SmartManufacturing/Class 01 Introduction/Class 01 - Introduction.pptx
@@ -111,6 +111,11 @@
       </a:defRPr>
     </a:lvl9pPr>
   </p:defaultTextStyle>
+  <p:extLst>
+    <p:ext uri="{EFAFB233-063F-42B5-8137-9DF3F51BA10A}">
+      <p15:sldGuideLst xmlns:p15="http://schemas.microsoft.com/office/powerpoint/2012/main"/>
+    </p:ext>
+  </p:extLst>
 </p:presentation>
 </file>
 
@@ -6510,7 +6515,7 @@
           <a:p>
             <a:fld id="{B6A752C3-6E00-4778-84BC-64D65AC061B8}" type="datetimeFigureOut">
               <a:rPr lang="en-US" smtClean="0"/>
-              <a:t>5/3/2025</a:t>
+              <a:t>5/4/2025</a:t>
             </a:fld>
             <a:endParaRPr lang="en-US"/>
           </a:p>
@@ -6708,7 +6713,7 @@
           <a:p>
             <a:fld id="{B6A752C3-6E00-4778-84BC-64D65AC061B8}" type="datetimeFigureOut">
               <a:rPr lang="en-US" smtClean="0"/>
-              <a:t>5/3/2025</a:t>
+              <a:t>5/4/2025</a:t>
             </a:fld>
             <a:endParaRPr lang="en-US"/>
           </a:p>
@@ -6916,7 +6921,7 @@
           <a:p>
             <a:fld id="{B6A752C3-6E00-4778-84BC-64D65AC061B8}" type="datetimeFigureOut">
               <a:rPr lang="en-US" smtClean="0"/>
-              <a:t>5/3/2025</a:t>
+              <a:t>5/4/2025</a:t>
             </a:fld>
             <a:endParaRPr lang="en-US"/>
           </a:p>
@@ -8002,7 +8007,7 @@
           <a:p>
             <a:fld id="{B6A752C3-6E00-4778-84BC-64D65AC061B8}" type="datetimeFigureOut">
               <a:rPr lang="en-US" smtClean="0"/>
-              <a:t>5/3/2025</a:t>
+              <a:t>5/4/2025</a:t>
             </a:fld>
             <a:endParaRPr lang="en-US"/>
           </a:p>
@@ -8277,7 +8282,7 @@
           <a:p>
             <a:fld id="{B6A752C3-6E00-4778-84BC-64D65AC061B8}" type="datetimeFigureOut">
               <a:rPr lang="en-US" smtClean="0"/>
-              <a:t>5/3/2025</a:t>
+              <a:t>5/4/2025</a:t>
             </a:fld>
             <a:endParaRPr lang="en-US"/>
           </a:p>
@@ -8542,7 +8547,7 @@
           <a:p>
             <a:fld id="{B6A752C3-6E00-4778-84BC-64D65AC061B8}" type="datetimeFigureOut">
               <a:rPr lang="en-US" smtClean="0"/>
-              <a:t>5/3/2025</a:t>
+              <a:t>5/4/2025</a:t>
             </a:fld>
             <a:endParaRPr lang="en-US"/>
           </a:p>
@@ -8954,7 +8959,7 @@
           <a:p>
             <a:fld id="{B6A752C3-6E00-4778-84BC-64D65AC061B8}" type="datetimeFigureOut">
               <a:rPr lang="en-US" smtClean="0"/>
-              <a:t>5/3/2025</a:t>
+              <a:t>5/4/2025</a:t>
             </a:fld>
             <a:endParaRPr lang="en-US"/>
           </a:p>
@@ -9095,7 +9100,7 @@
           <a:p>
             <a:fld id="{B6A752C3-6E00-4778-84BC-64D65AC061B8}" type="datetimeFigureOut">
               <a:rPr lang="en-US" smtClean="0"/>
-              <a:t>5/3/2025</a:t>
+              <a:t>5/4/2025</a:t>
             </a:fld>
             <a:endParaRPr lang="en-US"/>
           </a:p>
@@ -9208,7 +9213,7 @@
           <a:p>
             <a:fld id="{B6A752C3-6E00-4778-84BC-64D65AC061B8}" type="datetimeFigureOut">
               <a:rPr lang="en-US" smtClean="0"/>
-              <a:t>5/3/2025</a:t>
+              <a:t>5/4/2025</a:t>
             </a:fld>
             <a:endParaRPr lang="en-US"/>
           </a:p>
@@ -9519,7 +9524,7 @@
           <a:p>
             <a:fld id="{B6A752C3-6E00-4778-84BC-64D65AC061B8}" type="datetimeFigureOut">
               <a:rPr lang="en-US" smtClean="0"/>
-              <a:t>5/3/2025</a:t>
+              <a:t>5/4/2025</a:t>
             </a:fld>
             <a:endParaRPr lang="en-US"/>
           </a:p>
@@ -9807,7 +9812,7 @@
           <a:p>
             <a:fld id="{B6A752C3-6E00-4778-84BC-64D65AC061B8}" type="datetimeFigureOut">
               <a:rPr lang="en-US" smtClean="0"/>
-              <a:t>5/3/2025</a:t>
+              <a:t>5/4/2025</a:t>
             </a:fld>
             <a:endParaRPr lang="en-US"/>
           </a:p>
@@ -10048,7 +10053,7 @@
           <a:p>
             <a:fld id="{B6A752C3-6E00-4778-84BC-64D65AC061B8}" type="datetimeFigureOut">
               <a:rPr lang="en-US" smtClean="0"/>
-              <a:t>5/3/2025</a:t>
+              <a:t>5/4/2025</a:t>
             </a:fld>
             <a:endParaRPr lang="en-US"/>
           </a:p>

--- a/Computer Programming - SmartManufacturing/Class 01 Introduction/Class 01 - Introduction.pptx
+++ b/Computer Programming - SmartManufacturing/Class 01 Introduction/Class 01 - Introduction.pptx
@@ -13,6 +13,8 @@
     <p:sldId id="323" r:id="rId7"/>
     <p:sldId id="324" r:id="rId8"/>
     <p:sldId id="325" r:id="rId9"/>
+    <p:sldId id="326" r:id="rId10"/>
+    <p:sldId id="327" r:id="rId11"/>
   </p:sldIdLst>
   <p:sldSz cx="12192000" cy="6858000"/>
   <p:notesSz cx="6858000" cy="9144000"/>
@@ -6515,7 +6517,7 @@
           <a:p>
             <a:fld id="{B6A752C3-6E00-4778-84BC-64D65AC061B8}" type="datetimeFigureOut">
               <a:rPr lang="en-US" smtClean="0"/>
-              <a:t>5/4/2025</a:t>
+              <a:t>5/5/2025</a:t>
             </a:fld>
             <a:endParaRPr lang="en-US"/>
           </a:p>
@@ -6713,7 +6715,7 @@
           <a:p>
             <a:fld id="{B6A752C3-6E00-4778-84BC-64D65AC061B8}" type="datetimeFigureOut">
               <a:rPr lang="en-US" smtClean="0"/>
-              <a:t>5/4/2025</a:t>
+              <a:t>5/5/2025</a:t>
             </a:fld>
             <a:endParaRPr lang="en-US"/>
           </a:p>
@@ -6921,7 +6923,7 @@
           <a:p>
             <a:fld id="{B6A752C3-6E00-4778-84BC-64D65AC061B8}" type="datetimeFigureOut">
               <a:rPr lang="en-US" smtClean="0"/>
-              <a:t>5/4/2025</a:t>
+              <a:t>5/5/2025</a:t>
             </a:fld>
             <a:endParaRPr lang="en-US"/>
           </a:p>
@@ -8007,7 +8009,7 @@
           <a:p>
             <a:fld id="{B6A752C3-6E00-4778-84BC-64D65AC061B8}" type="datetimeFigureOut">
               <a:rPr lang="en-US" smtClean="0"/>
-              <a:t>5/4/2025</a:t>
+              <a:t>5/5/2025</a:t>
             </a:fld>
             <a:endParaRPr lang="en-US"/>
           </a:p>
@@ -8282,7 +8284,7 @@
           <a:p>
             <a:fld id="{B6A752C3-6E00-4778-84BC-64D65AC061B8}" type="datetimeFigureOut">
               <a:rPr lang="en-US" smtClean="0"/>
-              <a:t>5/4/2025</a:t>
+              <a:t>5/5/2025</a:t>
             </a:fld>
             <a:endParaRPr lang="en-US"/>
           </a:p>
@@ -8547,7 +8549,7 @@
           <a:p>
             <a:fld id="{B6A752C3-6E00-4778-84BC-64D65AC061B8}" type="datetimeFigureOut">
               <a:rPr lang="en-US" smtClean="0"/>
-              <a:t>5/4/2025</a:t>
+              <a:t>5/5/2025</a:t>
             </a:fld>
             <a:endParaRPr lang="en-US"/>
           </a:p>
@@ -8959,7 +8961,7 @@
           <a:p>
             <a:fld id="{B6A752C3-6E00-4778-84BC-64D65AC061B8}" type="datetimeFigureOut">
               <a:rPr lang="en-US" smtClean="0"/>
-              <a:t>5/4/2025</a:t>
+              <a:t>5/5/2025</a:t>
             </a:fld>
             <a:endParaRPr lang="en-US"/>
           </a:p>
@@ -9100,7 +9102,7 @@
           <a:p>
             <a:fld id="{B6A752C3-6E00-4778-84BC-64D65AC061B8}" type="datetimeFigureOut">
               <a:rPr lang="en-US" smtClean="0"/>
-              <a:t>5/4/2025</a:t>
+              <a:t>5/5/2025</a:t>
             </a:fld>
             <a:endParaRPr lang="en-US"/>
           </a:p>
@@ -9213,7 +9215,7 @@
           <a:p>
             <a:fld id="{B6A752C3-6E00-4778-84BC-64D65AC061B8}" type="datetimeFigureOut">
               <a:rPr lang="en-US" smtClean="0"/>
-              <a:t>5/4/2025</a:t>
+              <a:t>5/5/2025</a:t>
             </a:fld>
             <a:endParaRPr lang="en-US"/>
           </a:p>
@@ -9524,7 +9526,7 @@
           <a:p>
             <a:fld id="{B6A752C3-6E00-4778-84BC-64D65AC061B8}" type="datetimeFigureOut">
               <a:rPr lang="en-US" smtClean="0"/>
-              <a:t>5/4/2025</a:t>
+              <a:t>5/5/2025</a:t>
             </a:fld>
             <a:endParaRPr lang="en-US"/>
           </a:p>
@@ -9812,7 +9814,7 @@
           <a:p>
             <a:fld id="{B6A752C3-6E00-4778-84BC-64D65AC061B8}" type="datetimeFigureOut">
               <a:rPr lang="en-US" smtClean="0"/>
-              <a:t>5/4/2025</a:t>
+              <a:t>5/5/2025</a:t>
             </a:fld>
             <a:endParaRPr lang="en-US"/>
           </a:p>
@@ -10053,7 +10055,7 @@
           <a:p>
             <a:fld id="{B6A752C3-6E00-4778-84BC-64D65AC061B8}" type="datetimeFigureOut">
               <a:rPr lang="en-US" smtClean="0"/>
-              <a:t>5/4/2025</a:t>
+              <a:t>5/5/2025</a:t>
             </a:fld>
             <a:endParaRPr lang="en-US"/>
           </a:p>
@@ -10667,6 +10669,586 @@
 </p:sld>
 </file>
 
+<file path=ppt/slides/slide10.xml><?xml version="1.0" encoding="utf-8"?>
+<p:sld xmlns:a="http://schemas.openxmlformats.org/drawingml/2006/main" xmlns:r="http://schemas.openxmlformats.org/officeDocument/2006/relationships" xmlns:p="http://schemas.openxmlformats.org/presentationml/2006/main">
+  <p:cSld>
+    <p:spTree>
+      <p:nvGrpSpPr>
+        <p:cNvPr id="1" name="">
+          <a:extLst>
+            <a:ext uri="{FF2B5EF4-FFF2-40B4-BE49-F238E27FC236}">
+              <a16:creationId xmlns:a16="http://schemas.microsoft.com/office/drawing/2014/main" id="{368B18A1-F430-2283-53BB-13DCA6D6F0D3}"/>
+            </a:ext>
+          </a:extLst>
+        </p:cNvPr>
+        <p:cNvGrpSpPr/>
+        <p:nvPr/>
+      </p:nvGrpSpPr>
+      <p:grpSpPr>
+        <a:xfrm>
+          <a:off x="0" y="0"/>
+          <a:ext cx="0" cy="0"/>
+          <a:chOff x="0" y="0"/>
+          <a:chExt cx="0" cy="0"/>
+        </a:xfrm>
+      </p:grpSpPr>
+      <p:sp>
+        <p:nvSpPr>
+          <p:cNvPr id="2" name="Title 1">
+            <a:extLst>
+              <a:ext uri="{FF2B5EF4-FFF2-40B4-BE49-F238E27FC236}">
+                <a16:creationId xmlns:a16="http://schemas.microsoft.com/office/drawing/2014/main" id="{2B91D324-9A5F-3F77-9871-D960B1CCB148}"/>
+              </a:ext>
+            </a:extLst>
+          </p:cNvPr>
+          <p:cNvSpPr>
+            <a:spLocks noGrp="1"/>
+          </p:cNvSpPr>
+          <p:nvPr>
+            <p:ph type="title"/>
+          </p:nvPr>
+        </p:nvSpPr>
+        <p:spPr/>
+        <p:txBody>
+          <a:bodyPr/>
+          <a:lstStyle/>
+          <a:p>
+            <a:r>
+              <a:rPr lang="en-US" dirty="0"/>
+              <a:t>Python Programming Resources</a:t>
+            </a:r>
+          </a:p>
+        </p:txBody>
+      </p:sp>
+      <p:sp>
+        <p:nvSpPr>
+          <p:cNvPr id="4" name="Rectangle 1">
+            <a:extLst>
+              <a:ext uri="{FF2B5EF4-FFF2-40B4-BE49-F238E27FC236}">
+                <a16:creationId xmlns:a16="http://schemas.microsoft.com/office/drawing/2014/main" id="{4F60A20D-BE97-24C0-DB8A-3C1DD05B4F83}"/>
+              </a:ext>
+            </a:extLst>
+          </p:cNvPr>
+          <p:cNvSpPr>
+            <a:spLocks noGrp="1" noChangeArrowheads="1"/>
+          </p:cNvSpPr>
+          <p:nvPr>
+            <p:ph idx="1"/>
+          </p:nvPr>
+        </p:nvSpPr>
+        <p:spPr bwMode="auto">
+          <a:xfrm>
+            <a:off x="838200" y="1543099"/>
+            <a:ext cx="7285521" cy="3771802"/>
+          </a:xfrm>
+          <a:prstGeom prst="rect">
+            <a:avLst/>
+          </a:prstGeom>
+          <a:noFill/>
+          <a:ln>
+            <a:noFill/>
+          </a:ln>
+          <a:effectLst/>
+          <a:extLst>
+            <a:ext uri="{909E8E84-426E-40DD-AFC4-6F175D3DCCD1}">
+              <a14:hiddenFill xmlns:a14="http://schemas.microsoft.com/office/drawing/2010/main">
+                <a:solidFill>
+                  <a:schemeClr val="accent1"/>
+                </a:solidFill>
+              </a14:hiddenFill>
+            </a:ext>
+            <a:ext uri="{91240B29-F687-4F45-9708-019B960494DF}">
+              <a14:hiddenLine xmlns:a14="http://schemas.microsoft.com/office/drawing/2010/main" w="9525">
+                <a:solidFill>
+                  <a:schemeClr val="tx1"/>
+                </a:solidFill>
+                <a:miter lim="800000"/>
+                <a:headEnd/>
+                <a:tailEnd/>
+              </a14:hiddenLine>
+            </a:ext>
+            <a:ext uri="{AF507438-7753-43E0-B8FC-AC1667EBCBE1}">
+              <a14:hiddenEffects xmlns:a14="http://schemas.microsoft.com/office/drawing/2010/main">
+                <a:effectLst>
+                  <a:outerShdw dist="35921" dir="2700000" algn="ctr" rotWithShape="0">
+                    <a:schemeClr val="bg2"/>
+                  </a:outerShdw>
+                </a:effectLst>
+              </a14:hiddenEffects>
+            </a:ext>
+          </a:extLst>
+        </p:spPr>
+        <p:txBody>
+          <a:bodyPr vert="horz" wrap="none" lIns="91440" tIns="45720" rIns="91440" bIns="45720" numCol="1" anchor="ctr" anchorCtr="0" compatLnSpc="1">
+            <a:prstTxWarp prst="textNoShape">
+              <a:avLst/>
+            </a:prstTxWarp>
+            <a:spAutoFit/>
+          </a:bodyPr>
+          <a:lstStyle/>
+          <a:p>
+            <a:pPr marL="0" marR="0" lvl="0" indent="0" algn="l" defTabSz="914400" rtl="0" eaLnBrk="0" fontAlgn="base" latinLnBrk="0" hangingPunct="0">
+              <a:lnSpc>
+                <a:spcPct val="100000"/>
+              </a:lnSpc>
+              <a:spcBef>
+                <a:spcPct val="0"/>
+              </a:spcBef>
+              <a:spcAft>
+                <a:spcPct val="0"/>
+              </a:spcAft>
+              <a:buClrTx/>
+              <a:buSzTx/>
+              <a:buFontTx/>
+              <a:buNone/>
+              <a:tabLst/>
+            </a:pPr>
+            <a:r>
+              <a:rPr kumimoji="0" lang="en-US" altLang="en-US" sz="1400" b="1" i="0" u="none" strike="noStrike" cap="none" normalizeH="0" baseline="0" dirty="0">
+                <a:ln>
+                  <a:noFill/>
+                </a:ln>
+                <a:solidFill>
+                  <a:schemeClr val="tx1"/>
+                </a:solidFill>
+                <a:effectLst/>
+                <a:latin typeface="Arial" panose="020B0604020202020204" pitchFamily="34" charset="0"/>
+              </a:rPr>
+              <a:t>🧪 Python for Engineering &amp; Automation</a:t>
+            </a:r>
+          </a:p>
+          <a:p>
+            <a:pPr marL="0" marR="0" lvl="0" indent="0" algn="l" defTabSz="914400" rtl="0" eaLnBrk="0" fontAlgn="base" latinLnBrk="0" hangingPunct="0">
+              <a:lnSpc>
+                <a:spcPct val="100000"/>
+              </a:lnSpc>
+              <a:spcBef>
+                <a:spcPct val="0"/>
+              </a:spcBef>
+              <a:spcAft>
+                <a:spcPct val="0"/>
+              </a:spcAft>
+              <a:buClrTx/>
+              <a:buSzTx/>
+              <a:buFontTx/>
+              <a:buNone/>
+              <a:tabLst/>
+            </a:pPr>
+            <a:endParaRPr lang="en-US" altLang="en-US" sz="1400" b="1" dirty="0">
+              <a:latin typeface="Arial" panose="020B0604020202020204" pitchFamily="34" charset="0"/>
+            </a:endParaRPr>
+          </a:p>
+          <a:p>
+            <a:pPr marL="0" marR="0" lvl="0" indent="0" algn="l" defTabSz="914400" rtl="0" eaLnBrk="0" fontAlgn="base" latinLnBrk="0" hangingPunct="0">
+              <a:lnSpc>
+                <a:spcPct val="100000"/>
+              </a:lnSpc>
+              <a:spcBef>
+                <a:spcPct val="0"/>
+              </a:spcBef>
+              <a:spcAft>
+                <a:spcPct val="0"/>
+              </a:spcAft>
+              <a:buClrTx/>
+              <a:buSzTx/>
+              <a:buFontTx/>
+              <a:buNone/>
+              <a:tabLst/>
+            </a:pPr>
+            <a:endParaRPr kumimoji="0" lang="en-US" altLang="en-US" sz="1400" b="1" i="0" u="none" strike="noStrike" cap="none" normalizeH="0" baseline="0" dirty="0">
+              <a:ln>
+                <a:noFill/>
+              </a:ln>
+              <a:solidFill>
+                <a:schemeClr val="tx1"/>
+              </a:solidFill>
+              <a:effectLst/>
+              <a:latin typeface="Arial" panose="020B0604020202020204" pitchFamily="34" charset="0"/>
+            </a:endParaRPr>
+          </a:p>
+          <a:p>
+            <a:pPr marL="0" marR="0" lvl="0" indent="0" algn="l" defTabSz="914400" rtl="0" eaLnBrk="0" fontAlgn="base" latinLnBrk="0" hangingPunct="0">
+              <a:lnSpc>
+                <a:spcPct val="100000"/>
+              </a:lnSpc>
+              <a:spcBef>
+                <a:spcPct val="0"/>
+              </a:spcBef>
+              <a:spcAft>
+                <a:spcPct val="0"/>
+              </a:spcAft>
+              <a:buClrTx/>
+              <a:buSzTx/>
+              <a:buFontTx/>
+              <a:buAutoNum type="arabicPeriod"/>
+              <a:tabLst/>
+            </a:pPr>
+            <a:r>
+              <a:rPr kumimoji="0" lang="en-US" altLang="en-US" sz="1400" b="1" i="0" u="none" strike="noStrike" cap="none" normalizeH="0" baseline="0" dirty="0" err="1">
+                <a:ln>
+                  <a:noFill/>
+                </a:ln>
+                <a:solidFill>
+                  <a:schemeClr val="tx1"/>
+                </a:solidFill>
+                <a:effectLst/>
+                <a:latin typeface="Arial" panose="020B0604020202020204" pitchFamily="34" charset="0"/>
+                <a:hlinkClick r:id="rId2"/>
+              </a:rPr>
+              <a:t>PyPI</a:t>
+            </a:r>
+            <a:r>
+              <a:rPr kumimoji="0" lang="en-US" altLang="en-US" sz="1400" b="1" i="0" u="none" strike="noStrike" cap="none" normalizeH="0" baseline="0" dirty="0">
+                <a:ln>
+                  <a:noFill/>
+                </a:ln>
+                <a:solidFill>
+                  <a:schemeClr val="tx1"/>
+                </a:solidFill>
+                <a:effectLst/>
+                <a:latin typeface="Arial" panose="020B0604020202020204" pitchFamily="34" charset="0"/>
+                <a:hlinkClick r:id="rId2"/>
+              </a:rPr>
+              <a:t>: Industrial Automation Libraries</a:t>
+            </a:r>
+            <a:endParaRPr kumimoji="0" lang="en-US" altLang="en-US" sz="1400" b="0" i="0" u="none" strike="noStrike" cap="none" normalizeH="0" baseline="0" dirty="0">
+              <a:ln>
+                <a:noFill/>
+              </a:ln>
+              <a:solidFill>
+                <a:schemeClr val="tx1"/>
+              </a:solidFill>
+              <a:effectLst/>
+              <a:latin typeface="Arial" panose="020B0604020202020204" pitchFamily="34" charset="0"/>
+            </a:endParaRPr>
+          </a:p>
+          <a:p>
+            <a:pPr marL="457200" marR="0" lvl="1" indent="0" algn="l" defTabSz="914400" rtl="0" eaLnBrk="0" fontAlgn="base" latinLnBrk="0" hangingPunct="0">
+              <a:lnSpc>
+                <a:spcPct val="100000"/>
+              </a:lnSpc>
+              <a:spcBef>
+                <a:spcPct val="0"/>
+              </a:spcBef>
+              <a:spcAft>
+                <a:spcPct val="0"/>
+              </a:spcAft>
+              <a:buClrTx/>
+              <a:buSzTx/>
+              <a:buFontTx/>
+              <a:buChar char="•"/>
+              <a:tabLst/>
+            </a:pPr>
+            <a:r>
+              <a:rPr kumimoji="0" lang="en-US" altLang="en-US" sz="1400" b="0" i="0" u="none" strike="noStrike" cap="none" normalizeH="0" baseline="0" dirty="0">
+                <a:ln>
+                  <a:noFill/>
+                </a:ln>
+                <a:solidFill>
+                  <a:schemeClr val="tx1"/>
+                </a:solidFill>
+                <a:effectLst/>
+                <a:latin typeface="Arial" panose="020B0604020202020204" pitchFamily="34" charset="0"/>
+              </a:rPr>
+              <a:t>Find packages like </a:t>
+            </a:r>
+            <a:r>
+              <a:rPr kumimoji="0" lang="en-US" altLang="en-US" sz="1400" b="0" i="0" u="none" strike="noStrike" cap="none" normalizeH="0" baseline="0" dirty="0" err="1">
+                <a:ln>
+                  <a:noFill/>
+                </a:ln>
+                <a:solidFill>
+                  <a:schemeClr val="tx1"/>
+                </a:solidFill>
+                <a:effectLst/>
+                <a:latin typeface="Arial Unicode MS"/>
+              </a:rPr>
+              <a:t>opcua</a:t>
+            </a:r>
+            <a:r>
+              <a:rPr kumimoji="0" lang="en-US" altLang="en-US" sz="1400" b="0" i="0" u="none" strike="noStrike" cap="none" normalizeH="0" baseline="0" dirty="0">
+                <a:ln>
+                  <a:noFill/>
+                </a:ln>
+                <a:solidFill>
+                  <a:schemeClr val="tx1"/>
+                </a:solidFill>
+                <a:effectLst/>
+              </a:rPr>
+              <a:t>, </a:t>
+            </a:r>
+            <a:r>
+              <a:rPr kumimoji="0" lang="en-US" altLang="en-US" sz="1400" b="0" i="0" u="none" strike="noStrike" cap="none" normalizeH="0" baseline="0" dirty="0" err="1">
+                <a:ln>
+                  <a:noFill/>
+                </a:ln>
+                <a:solidFill>
+                  <a:schemeClr val="tx1"/>
+                </a:solidFill>
+                <a:effectLst/>
+                <a:latin typeface="Arial Unicode MS"/>
+              </a:rPr>
+              <a:t>pyserial</a:t>
+            </a:r>
+            <a:r>
+              <a:rPr kumimoji="0" lang="en-US" altLang="en-US" sz="1400" b="0" i="0" u="none" strike="noStrike" cap="none" normalizeH="0" baseline="0" dirty="0">
+                <a:ln>
+                  <a:noFill/>
+                </a:ln>
+                <a:solidFill>
+                  <a:schemeClr val="tx1"/>
+                </a:solidFill>
+                <a:effectLst/>
+              </a:rPr>
+              <a:t>, </a:t>
+            </a:r>
+            <a:r>
+              <a:rPr kumimoji="0" lang="en-US" altLang="en-US" sz="1400" b="0" i="0" u="none" strike="noStrike" cap="none" normalizeH="0" baseline="0" dirty="0" err="1">
+                <a:ln>
+                  <a:noFill/>
+                </a:ln>
+                <a:solidFill>
+                  <a:schemeClr val="tx1"/>
+                </a:solidFill>
+                <a:effectLst/>
+                <a:latin typeface="Arial Unicode MS"/>
+              </a:rPr>
+              <a:t>modbus-tk</a:t>
+            </a:r>
+            <a:r>
+              <a:rPr kumimoji="0" lang="en-US" altLang="en-US" sz="1400" b="0" i="0" u="none" strike="noStrike" cap="none" normalizeH="0" baseline="0" dirty="0">
+                <a:ln>
+                  <a:noFill/>
+                </a:ln>
+                <a:solidFill>
+                  <a:schemeClr val="tx1"/>
+                </a:solidFill>
+                <a:effectLst/>
+              </a:rPr>
+              <a:t> for interfacing with industrial devices.</a:t>
+            </a:r>
+            <a:endParaRPr kumimoji="0" lang="en-US" altLang="en-US" sz="1400" b="0" i="0" u="none" strike="noStrike" cap="none" normalizeH="0" baseline="0" dirty="0">
+              <a:ln>
+                <a:noFill/>
+              </a:ln>
+              <a:solidFill>
+                <a:schemeClr val="tx1"/>
+              </a:solidFill>
+              <a:effectLst/>
+              <a:latin typeface="Arial" panose="020B0604020202020204" pitchFamily="34" charset="0"/>
+            </a:endParaRPr>
+          </a:p>
+          <a:p>
+            <a:pPr marL="0" marR="0" lvl="0" indent="0" algn="l" defTabSz="914400" rtl="0" eaLnBrk="0" fontAlgn="base" latinLnBrk="0" hangingPunct="0">
+              <a:lnSpc>
+                <a:spcPct val="100000"/>
+              </a:lnSpc>
+              <a:spcBef>
+                <a:spcPct val="0"/>
+              </a:spcBef>
+              <a:spcAft>
+                <a:spcPct val="0"/>
+              </a:spcAft>
+              <a:buClrTx/>
+              <a:buSzTx/>
+              <a:buFontTx/>
+              <a:buAutoNum type="arabicPeriod" startAt="2"/>
+              <a:tabLst/>
+            </a:pPr>
+            <a:r>
+              <a:rPr kumimoji="0" lang="en-US" altLang="en-US" sz="1400" b="1" i="0" u="none" strike="noStrike" cap="none" normalizeH="0" baseline="0" dirty="0">
+                <a:ln>
+                  <a:noFill/>
+                </a:ln>
+                <a:solidFill>
+                  <a:schemeClr val="tx1"/>
+                </a:solidFill>
+                <a:effectLst/>
+                <a:latin typeface="Arial" panose="020B0604020202020204" pitchFamily="34" charset="0"/>
+                <a:hlinkClick r:id="rId3"/>
+              </a:rPr>
+              <a:t>Python for PLC and SCADA integration (GitHub)</a:t>
+            </a:r>
+            <a:endParaRPr kumimoji="0" lang="en-US" altLang="en-US" sz="1400" b="0" i="0" u="none" strike="noStrike" cap="none" normalizeH="0" baseline="0" dirty="0">
+              <a:ln>
+                <a:noFill/>
+              </a:ln>
+              <a:solidFill>
+                <a:schemeClr val="tx1"/>
+              </a:solidFill>
+              <a:effectLst/>
+              <a:latin typeface="Arial" panose="020B0604020202020204" pitchFamily="34" charset="0"/>
+            </a:endParaRPr>
+          </a:p>
+          <a:p>
+            <a:pPr marL="457200" marR="0" lvl="1" indent="0" algn="l" defTabSz="914400" rtl="0" eaLnBrk="0" fontAlgn="base" latinLnBrk="0" hangingPunct="0">
+              <a:lnSpc>
+                <a:spcPct val="100000"/>
+              </a:lnSpc>
+              <a:spcBef>
+                <a:spcPct val="0"/>
+              </a:spcBef>
+              <a:spcAft>
+                <a:spcPct val="0"/>
+              </a:spcAft>
+              <a:buClrTx/>
+              <a:buSzTx/>
+              <a:buFontTx/>
+              <a:buChar char="•"/>
+              <a:tabLst/>
+            </a:pPr>
+            <a:r>
+              <a:rPr kumimoji="0" lang="en-US" altLang="en-US" sz="1400" b="0" i="0" u="none" strike="noStrike" cap="none" normalizeH="0" baseline="0" dirty="0">
+                <a:ln>
+                  <a:noFill/>
+                </a:ln>
+                <a:solidFill>
+                  <a:schemeClr val="tx1"/>
+                </a:solidFill>
+                <a:effectLst/>
+                <a:latin typeface="Arial" panose="020B0604020202020204" pitchFamily="34" charset="0"/>
+              </a:rPr>
+              <a:t>Open-source OPC UA server/client library in Python.</a:t>
+            </a:r>
+          </a:p>
+          <a:p>
+            <a:pPr marL="457200" marR="0" lvl="1" indent="0" algn="l" defTabSz="914400" rtl="0" eaLnBrk="0" fontAlgn="base" latinLnBrk="0" hangingPunct="0">
+              <a:lnSpc>
+                <a:spcPct val="100000"/>
+              </a:lnSpc>
+              <a:spcBef>
+                <a:spcPct val="0"/>
+              </a:spcBef>
+              <a:spcAft>
+                <a:spcPct val="0"/>
+              </a:spcAft>
+              <a:buClrTx/>
+              <a:buSzTx/>
+              <a:buFontTx/>
+              <a:buChar char="•"/>
+              <a:tabLst/>
+            </a:pPr>
+            <a:r>
+              <a:rPr kumimoji="0" lang="en-US" altLang="en-US" sz="1400" b="0" i="0" u="none" strike="noStrike" cap="none" normalizeH="0" baseline="0" dirty="0">
+                <a:ln>
+                  <a:noFill/>
+                </a:ln>
+                <a:solidFill>
+                  <a:schemeClr val="tx1"/>
+                </a:solidFill>
+                <a:effectLst/>
+                <a:latin typeface="Arial" panose="020B0604020202020204" pitchFamily="34" charset="0"/>
+              </a:rPr>
+              <a:t>Used to connect Python with SCADA systems.</a:t>
+            </a:r>
+          </a:p>
+          <a:p>
+            <a:pPr>
+              <a:buNone/>
+            </a:pPr>
+            <a:r>
+              <a:rPr lang="en-US" sz="1400" b="1" dirty="0"/>
+              <a:t>📘 Books</a:t>
+            </a:r>
+          </a:p>
+          <a:p>
+            <a:pPr>
+              <a:buFont typeface="+mj-lt"/>
+              <a:buAutoNum type="arabicPeriod"/>
+            </a:pPr>
+            <a:r>
+              <a:rPr lang="en-US" sz="1400" b="1" dirty="0"/>
+              <a:t>"Automate the Boring Stuff with Python" by Al Sweigart</a:t>
+            </a:r>
+            <a:endParaRPr lang="en-US" sz="1400" dirty="0"/>
+          </a:p>
+          <a:p>
+            <a:pPr marL="742950" lvl="1" indent="-285750">
+              <a:buFont typeface="+mj-lt"/>
+              <a:buAutoNum type="arabicPeriod"/>
+            </a:pPr>
+            <a:r>
+              <a:rPr lang="en-US" sz="1400" dirty="0">
+                <a:hlinkClick r:id="rId4"/>
+              </a:rPr>
+              <a:t>Online Free Book</a:t>
+            </a:r>
+            <a:endParaRPr lang="en-US" sz="1400" dirty="0"/>
+          </a:p>
+          <a:p>
+            <a:pPr marL="742950" lvl="1" indent="-285750">
+              <a:buFont typeface="+mj-lt"/>
+              <a:buAutoNum type="arabicPeriod"/>
+            </a:pPr>
+            <a:r>
+              <a:rPr lang="en-US" sz="1400" dirty="0"/>
+              <a:t>Ideal for automating Excel, file systems, logging, etc. (perfect VBA replacement)</a:t>
+            </a:r>
+          </a:p>
+          <a:p>
+            <a:pPr>
+              <a:buFont typeface="+mj-lt"/>
+              <a:buAutoNum type="arabicPeriod"/>
+            </a:pPr>
+            <a:r>
+              <a:rPr lang="en-US" sz="1400" b="1" dirty="0"/>
+              <a:t>"Python Crash Course" by Eric Matthes</a:t>
+            </a:r>
+            <a:endParaRPr lang="en-US" sz="1400" dirty="0"/>
+          </a:p>
+          <a:p>
+            <a:pPr marL="742950" lvl="1" indent="-285750">
+              <a:buFont typeface="+mj-lt"/>
+              <a:buAutoNum type="arabicPeriod"/>
+            </a:pPr>
+            <a:r>
+              <a:rPr lang="en-US" sz="1400" dirty="0"/>
+              <a:t>Excellent structured introduction with projects.</a:t>
+            </a:r>
+          </a:p>
+          <a:p>
+            <a:pPr marL="0" marR="0" lvl="0" indent="0" algn="l" defTabSz="914400" rtl="0" eaLnBrk="0" fontAlgn="base" latinLnBrk="0" hangingPunct="0">
+              <a:lnSpc>
+                <a:spcPct val="100000"/>
+              </a:lnSpc>
+              <a:spcBef>
+                <a:spcPct val="0"/>
+              </a:spcBef>
+              <a:spcAft>
+                <a:spcPct val="0"/>
+              </a:spcAft>
+              <a:buClrTx/>
+              <a:buSzTx/>
+              <a:buFontTx/>
+              <a:buNone/>
+              <a:tabLst/>
+            </a:pPr>
+            <a:endParaRPr kumimoji="0" lang="en-US" altLang="en-US" sz="1400" b="0" i="0" u="none" strike="noStrike" cap="none" normalizeH="0" baseline="0" dirty="0">
+              <a:ln>
+                <a:noFill/>
+              </a:ln>
+              <a:solidFill>
+                <a:schemeClr val="tx1"/>
+              </a:solidFill>
+              <a:effectLst/>
+              <a:latin typeface="Arial" panose="020B0604020202020204" pitchFamily="34" charset="0"/>
+            </a:endParaRPr>
+          </a:p>
+        </p:txBody>
+      </p:sp>
+    </p:spTree>
+    <p:extLst>
+      <p:ext uri="{BB962C8B-B14F-4D97-AF65-F5344CB8AC3E}">
+        <p14:creationId xmlns:p14="http://schemas.microsoft.com/office/powerpoint/2010/main" val="2204468786"/>
+      </p:ext>
+    </p:extLst>
+  </p:cSld>
+  <p:clrMapOvr>
+    <a:masterClrMapping/>
+  </p:clrMapOvr>
+</p:sld>
+</file>
+
 <file path=ppt/slides/slide2.xml><?xml version="1.0" encoding="utf-8"?>
 <p:sld xmlns:a="http://schemas.openxmlformats.org/drawingml/2006/main" xmlns:r="http://schemas.openxmlformats.org/officeDocument/2006/relationships" xmlns:p="http://schemas.openxmlformats.org/presentationml/2006/main">
   <p:cSld>
@@ -15080,6 +15662,284 @@
     <p:extLst>
       <p:ext uri="{BB962C8B-B14F-4D97-AF65-F5344CB8AC3E}">
         <p14:creationId xmlns:p14="http://schemas.microsoft.com/office/powerpoint/2010/main" val="3284335561"/>
+      </p:ext>
+    </p:extLst>
+  </p:cSld>
+  <p:clrMapOvr>
+    <a:masterClrMapping/>
+  </p:clrMapOvr>
+</p:sld>
+</file>
+
+<file path=ppt/slides/slide9.xml><?xml version="1.0" encoding="utf-8"?>
+<p:sld xmlns:a="http://schemas.openxmlformats.org/drawingml/2006/main" xmlns:r="http://schemas.openxmlformats.org/officeDocument/2006/relationships" xmlns:p="http://schemas.openxmlformats.org/presentationml/2006/main">
+  <p:cSld>
+    <p:spTree>
+      <p:nvGrpSpPr>
+        <p:cNvPr id="1" name=""/>
+        <p:cNvGrpSpPr/>
+        <p:nvPr/>
+      </p:nvGrpSpPr>
+      <p:grpSpPr>
+        <a:xfrm>
+          <a:off x="0" y="0"/>
+          <a:ext cx="0" cy="0"/>
+          <a:chOff x="0" y="0"/>
+          <a:chExt cx="0" cy="0"/>
+        </a:xfrm>
+      </p:grpSpPr>
+      <p:sp>
+        <p:nvSpPr>
+          <p:cNvPr id="2" name="Title 1">
+            <a:extLst>
+              <a:ext uri="{FF2B5EF4-FFF2-40B4-BE49-F238E27FC236}">
+                <a16:creationId xmlns:a16="http://schemas.microsoft.com/office/drawing/2014/main" id="{85E5EAB8-6EC3-14F2-CAB4-CF1ECA18FF66}"/>
+              </a:ext>
+            </a:extLst>
+          </p:cNvPr>
+          <p:cNvSpPr>
+            <a:spLocks noGrp="1"/>
+          </p:cNvSpPr>
+          <p:nvPr>
+            <p:ph type="title"/>
+          </p:nvPr>
+        </p:nvSpPr>
+        <p:spPr/>
+        <p:txBody>
+          <a:bodyPr/>
+          <a:lstStyle/>
+          <a:p>
+            <a:r>
+              <a:rPr lang="en-US" dirty="0"/>
+              <a:t>Python Programming Resources</a:t>
+            </a:r>
+          </a:p>
+        </p:txBody>
+      </p:sp>
+      <p:sp>
+        <p:nvSpPr>
+          <p:cNvPr id="3" name="Content Placeholder 2">
+            <a:extLst>
+              <a:ext uri="{FF2B5EF4-FFF2-40B4-BE49-F238E27FC236}">
+                <a16:creationId xmlns:a16="http://schemas.microsoft.com/office/drawing/2014/main" id="{B06796C3-BEDF-F4FA-690A-0D3B603CE340}"/>
+              </a:ext>
+            </a:extLst>
+          </p:cNvPr>
+          <p:cNvSpPr>
+            <a:spLocks noGrp="1"/>
+          </p:cNvSpPr>
+          <p:nvPr>
+            <p:ph idx="1"/>
+          </p:nvPr>
+        </p:nvSpPr>
+        <p:spPr>
+          <a:xfrm>
+            <a:off x="838200" y="1825625"/>
+            <a:ext cx="10515600" cy="4667250"/>
+          </a:xfrm>
+        </p:spPr>
+        <p:txBody>
+          <a:bodyPr>
+            <a:noAutofit/>
+          </a:bodyPr>
+          <a:lstStyle/>
+          <a:p>
+            <a:pPr>
+              <a:buNone/>
+            </a:pPr>
+            <a:r>
+              <a:rPr lang="en-US" sz="1500" b="1" dirty="0"/>
+              <a:t>🔰 Beginner-Friendly Interactive Platforms</a:t>
+            </a:r>
+          </a:p>
+          <a:p>
+            <a:pPr>
+              <a:buFont typeface="+mj-lt"/>
+              <a:buAutoNum type="arabicPeriod"/>
+            </a:pPr>
+            <a:r>
+              <a:rPr lang="en-US" sz="1500" b="1" dirty="0"/>
+              <a:t>W3Schools Python Tutorial (</a:t>
+            </a:r>
+            <a:r>
+              <a:rPr lang="en-US" sz="1500" b="1" dirty="0">
+                <a:hlinkClick r:id="rId2"/>
+              </a:rPr>
+              <a:t>https://www.w3schools.com/python/</a:t>
+            </a:r>
+            <a:r>
+              <a:rPr lang="en-US" sz="1500" b="1" dirty="0"/>
+              <a:t>)</a:t>
+            </a:r>
+            <a:endParaRPr lang="en-US" sz="1500" dirty="0"/>
+          </a:p>
+          <a:p>
+            <a:pPr marL="742950" lvl="1" indent="-285750">
+              <a:buFont typeface="+mj-lt"/>
+              <a:buAutoNum type="arabicPeriod"/>
+            </a:pPr>
+            <a:r>
+              <a:rPr lang="en-US" sz="1500" dirty="0"/>
+              <a:t>Simple, example-driven explanations.</a:t>
+            </a:r>
+          </a:p>
+          <a:p>
+            <a:pPr marL="742950" lvl="1" indent="-285750">
+              <a:buFont typeface="+mj-lt"/>
+              <a:buAutoNum type="arabicPeriod"/>
+            </a:pPr>
+            <a:r>
+              <a:rPr lang="en-US" sz="1500" dirty="0"/>
+              <a:t>Ideal for quick learning and revision.</a:t>
+            </a:r>
+          </a:p>
+          <a:p>
+            <a:pPr>
+              <a:buFont typeface="+mj-lt"/>
+              <a:buAutoNum type="arabicPeriod"/>
+            </a:pPr>
+            <a:r>
+              <a:rPr lang="en-US" sz="1500" b="1" dirty="0" err="1"/>
+              <a:t>Programiz</a:t>
+            </a:r>
+            <a:r>
+              <a:rPr lang="en-US" sz="1500" b="1" dirty="0"/>
+              <a:t> Python (</a:t>
+            </a:r>
+            <a:r>
+              <a:rPr lang="en-US" sz="1500" b="1" dirty="0">
+                <a:hlinkClick r:id="rId3"/>
+              </a:rPr>
+              <a:t>https://www.programiz.com/python-programming</a:t>
+            </a:r>
+            <a:r>
+              <a:rPr lang="en-US" sz="1500" b="1" dirty="0"/>
+              <a:t>)</a:t>
+            </a:r>
+            <a:endParaRPr lang="en-US" sz="1500" dirty="0"/>
+          </a:p>
+          <a:p>
+            <a:pPr marL="742950" lvl="1" indent="-285750">
+              <a:buFont typeface="+mj-lt"/>
+              <a:buAutoNum type="arabicPeriod"/>
+            </a:pPr>
+            <a:r>
+              <a:rPr lang="en-US" sz="1500" dirty="0"/>
+              <a:t>Great beginner content with code editors built in.</a:t>
+            </a:r>
+          </a:p>
+          <a:p>
+            <a:pPr marL="742950" lvl="1" indent="-285750">
+              <a:buFont typeface="+mj-lt"/>
+              <a:buAutoNum type="arabicPeriod"/>
+            </a:pPr>
+            <a:r>
+              <a:rPr lang="en-US" sz="1500" dirty="0"/>
+              <a:t>Clean explanations of syntax and structure.</a:t>
+            </a:r>
+          </a:p>
+          <a:p>
+            <a:pPr>
+              <a:buFont typeface="+mj-lt"/>
+              <a:buAutoNum type="arabicPeriod"/>
+            </a:pPr>
+            <a:r>
+              <a:rPr lang="en-US" sz="1500" b="1" dirty="0">
+                <a:hlinkClick r:id="rId4"/>
+              </a:rPr>
+              <a:t>Real Python</a:t>
+            </a:r>
+            <a:endParaRPr lang="en-US" sz="1500" dirty="0"/>
+          </a:p>
+          <a:p>
+            <a:pPr marL="742950" lvl="1" indent="-285750">
+              <a:buFont typeface="+mj-lt"/>
+              <a:buAutoNum type="arabicPeriod"/>
+            </a:pPr>
+            <a:r>
+              <a:rPr lang="en-US" sz="1500" dirty="0"/>
+              <a:t>Best for professionals. Well-written tutorials and use cases.</a:t>
+            </a:r>
+          </a:p>
+          <a:p>
+            <a:pPr marL="742950" lvl="1" indent="-285750">
+              <a:buFont typeface="+mj-lt"/>
+              <a:buAutoNum type="arabicPeriod"/>
+            </a:pPr>
+            <a:r>
+              <a:rPr lang="en-US" sz="1500" dirty="0"/>
+              <a:t>Also includes data science, automation, and system integration topics.</a:t>
+            </a:r>
+          </a:p>
+          <a:p>
+            <a:pPr>
+              <a:buNone/>
+            </a:pPr>
+            <a:r>
+              <a:rPr lang="en-US" sz="1500" b="1" dirty="0"/>
+              <a:t>📚 Courses</a:t>
+            </a:r>
+          </a:p>
+          <a:p>
+            <a:pPr>
+              <a:buFont typeface="+mj-lt"/>
+              <a:buAutoNum type="arabicPeriod"/>
+            </a:pPr>
+            <a:r>
+              <a:rPr lang="en-US" sz="1500" b="1" dirty="0">
+                <a:hlinkClick r:id="rId5"/>
+              </a:rPr>
+              <a:t>Coursera - Python for Everybody (by University of Michigan)</a:t>
+            </a:r>
+            <a:endParaRPr lang="en-US" sz="1500" dirty="0"/>
+          </a:p>
+          <a:p>
+            <a:pPr marL="742950" lvl="1" indent="-285750">
+              <a:buFont typeface="+mj-lt"/>
+              <a:buAutoNum type="arabicPeriod"/>
+            </a:pPr>
+            <a:r>
+              <a:rPr lang="en-US" sz="1500" dirty="0"/>
+              <a:t>Great pace, instructor, and real-world relevance.</a:t>
+            </a:r>
+          </a:p>
+          <a:p>
+            <a:pPr>
+              <a:buFont typeface="+mj-lt"/>
+              <a:buAutoNum type="arabicPeriod"/>
+            </a:pPr>
+            <a:r>
+              <a:rPr lang="en-US" sz="1500" b="1" dirty="0"/>
+              <a:t>edX - Introduction to Python Programming</a:t>
+            </a:r>
+            <a:endParaRPr lang="en-US" sz="1500" dirty="0"/>
+          </a:p>
+          <a:p>
+            <a:pPr marL="742950" lvl="1" indent="-285750">
+              <a:buFont typeface="+mj-lt"/>
+              <a:buAutoNum type="arabicPeriod"/>
+            </a:pPr>
+            <a:r>
+              <a:rPr lang="en-US" sz="1500" dirty="0"/>
+              <a:t>Free access with optional certification.</a:t>
+            </a:r>
+          </a:p>
+          <a:p>
+            <a:pPr marL="285750" indent="-285750">
+              <a:buFont typeface="+mj-lt"/>
+              <a:buAutoNum type="arabicPeriod"/>
+            </a:pPr>
+            <a:endParaRPr lang="en-US" sz="1500" dirty="0"/>
+          </a:p>
+          <a:p>
+            <a:endParaRPr lang="en-US" sz="1500" dirty="0"/>
+          </a:p>
+        </p:txBody>
+      </p:sp>
+    </p:spTree>
+    <p:extLst>
+      <p:ext uri="{BB962C8B-B14F-4D97-AF65-F5344CB8AC3E}">
+        <p14:creationId xmlns:p14="http://schemas.microsoft.com/office/powerpoint/2010/main" val="3220423715"/>
       </p:ext>
     </p:extLst>
   </p:cSld>
